--- a/projects_ppts/Nand2Tetris_Project_01_part02.pptx
+++ b/projects_ppts/Nand2Tetris_Project_01_part02.pptx
@@ -4486,7 +4486,7 @@
           <a:p>
             <a:r>
               <a:rPr lang="en-US" dirty="0"/>
-              <a:t>Nand2Tetris Project 01 (Part 01)</a:t>
+              <a:t>Nand2Tetris Project 01 (Part 02)</a:t>
             </a:r>
           </a:p>
         </p:txBody>
